--- a/activity/picture/picturesize.pptx
+++ b/activity/picture/picturesize.pptx
@@ -6,6 +6,7 @@
   </p:sldMasterIdLst>
   <p:sldIdLst>
     <p:sldId id="256" r:id="rId2"/>
+    <p:sldId id="257" r:id="rId3"/>
   </p:sldIdLst>
   <p:sldSz cx="12192000" cy="6858000"/>
   <p:notesSz cx="6858000" cy="9144000"/>
@@ -3461,6 +3462,88 @@
 </p:sld>
 </file>
 
+<file path=ppt/slides/slide2.xml><?xml version="1.0" encoding="utf-8"?>
+<p:sld xmlns:a="http://schemas.openxmlformats.org/drawingml/2006/main" xmlns:r="http://schemas.openxmlformats.org/officeDocument/2006/relationships" xmlns:p="http://schemas.openxmlformats.org/presentationml/2006/main">
+  <p:cSld>
+    <p:spTree>
+      <p:nvGrpSpPr>
+        <p:cNvPr id="1" name=""/>
+        <p:cNvGrpSpPr/>
+        <p:nvPr/>
+      </p:nvGrpSpPr>
+      <p:grpSpPr>
+        <a:xfrm>
+          <a:off x="0" y="0"/>
+          <a:ext cx="0" cy="0"/>
+          <a:chOff x="0" y="0"/>
+          <a:chExt cx="0" cy="0"/>
+        </a:xfrm>
+      </p:grpSpPr>
+      <p:sp>
+        <p:nvSpPr>
+          <p:cNvPr id="5" name="矩形 4">
+            <a:extLst>
+              <a:ext uri="{FF2B5EF4-FFF2-40B4-BE49-F238E27FC236}">
+                <a16:creationId xmlns:a16="http://schemas.microsoft.com/office/drawing/2014/main" id="{6E41EC0C-5612-40AE-9A67-19A6FA2F08A9}"/>
+              </a:ext>
+            </a:extLst>
+          </p:cNvPr>
+          <p:cNvSpPr/>
+          <p:nvPr/>
+        </p:nvSpPr>
+        <p:spPr>
+          <a:xfrm>
+            <a:off x="1796142" y="-10886"/>
+            <a:ext cx="8599715" cy="6879772"/>
+          </a:xfrm>
+          <a:prstGeom prst="rect">
+            <a:avLst/>
+          </a:prstGeom>
+          <a:solidFill>
+            <a:schemeClr val="tx1"/>
+          </a:solidFill>
+          <a:ln>
+            <a:noFill/>
+          </a:ln>
+        </p:spPr>
+        <p:style>
+          <a:lnRef idx="2">
+            <a:schemeClr val="accent1">
+              <a:shade val="50000"/>
+            </a:schemeClr>
+          </a:lnRef>
+          <a:fillRef idx="1">
+            <a:schemeClr val="accent1"/>
+          </a:fillRef>
+          <a:effectRef idx="0">
+            <a:schemeClr val="accent1"/>
+          </a:effectRef>
+          <a:fontRef idx="minor">
+            <a:schemeClr val="lt1"/>
+          </a:fontRef>
+        </p:style>
+        <p:txBody>
+          <a:bodyPr rtlCol="0" anchor="ctr"/>
+          <a:lstStyle/>
+          <a:p>
+            <a:pPr algn="ctr"/>
+            <a:endParaRPr lang="zh-TW" altLang="en-US" dirty="0"/>
+          </a:p>
+        </p:txBody>
+      </p:sp>
+    </p:spTree>
+    <p:extLst>
+      <p:ext uri="{BB962C8B-B14F-4D97-AF65-F5344CB8AC3E}">
+        <p14:creationId xmlns:p14="http://schemas.microsoft.com/office/powerpoint/2010/main" val="4151453328"/>
+      </p:ext>
+    </p:extLst>
+  </p:cSld>
+  <p:clrMapOvr>
+    <a:masterClrMapping/>
+  </p:clrMapOvr>
+</p:sld>
+</file>
+
 <file path=ppt/theme/theme1.xml><?xml version="1.0" encoding="utf-8"?>
 <a:theme xmlns:a="http://schemas.openxmlformats.org/drawingml/2006/main" name="Office 佈景主題">
   <a:themeElements>

--- a/activity/picture/picturesize.pptx
+++ b/activity/picture/picturesize.pptx
@@ -3531,6 +3531,41 @@
           </a:p>
         </p:txBody>
       </p:sp>
+      <p:pic>
+        <p:nvPicPr>
+          <p:cNvPr id="3" name="圖片 2">
+            <a:extLst>
+              <a:ext uri="{FF2B5EF4-FFF2-40B4-BE49-F238E27FC236}">
+                <a16:creationId xmlns:a16="http://schemas.microsoft.com/office/drawing/2014/main" id="{2C5104C0-8A43-44A8-BB71-ECF4545DB6C4}"/>
+              </a:ext>
+            </a:extLst>
+          </p:cNvPr>
+          <p:cNvPicPr>
+            <a:picLocks noChangeAspect="1"/>
+          </p:cNvPicPr>
+          <p:nvPr/>
+        </p:nvPicPr>
+        <p:blipFill rotWithShape="1">
+          <a:blip r:embed="rId2">
+            <a:extLst>
+              <a:ext uri="{28A0092B-C50C-407E-A947-70E740481C1C}">
+                <a14:useLocalDpi xmlns:a14="http://schemas.microsoft.com/office/drawing/2010/main" val="0"/>
+              </a:ext>
+            </a:extLst>
+          </a:blip>
+          <a:srcRect l="14732" r="14732"/>
+          <a:stretch/>
+        </p:blipFill>
+        <p:spPr>
+          <a:xfrm>
+            <a:off x="1796141" y="10886"/>
+            <a:ext cx="8599716" cy="6858000"/>
+          </a:xfrm>
+          <a:prstGeom prst="rect">
+            <a:avLst/>
+          </a:prstGeom>
+        </p:spPr>
+      </p:pic>
     </p:spTree>
     <p:extLst>
       <p:ext uri="{BB962C8B-B14F-4D97-AF65-F5344CB8AC3E}">

--- a/activity/picture/picturesize.pptx
+++ b/activity/picture/picturesize.pptx
@@ -7,6 +7,8 @@
   <p:sldIdLst>
     <p:sldId id="256" r:id="rId2"/>
     <p:sldId id="257" r:id="rId3"/>
+    <p:sldId id="258" r:id="rId4"/>
+    <p:sldId id="259" r:id="rId5"/>
   </p:sldIdLst>
   <p:sldSz cx="12192000" cy="6858000"/>
   <p:notesSz cx="6858000" cy="9144000"/>
@@ -3579,6 +3581,221 @@
 </p:sld>
 </file>
 
+<file path=ppt/slides/slide3.xml><?xml version="1.0" encoding="utf-8"?>
+<p:sld xmlns:a="http://schemas.openxmlformats.org/drawingml/2006/main" xmlns:r="http://schemas.openxmlformats.org/officeDocument/2006/relationships" xmlns:p="http://schemas.openxmlformats.org/presentationml/2006/main">
+  <p:cSld>
+    <p:spTree>
+      <p:nvGrpSpPr>
+        <p:cNvPr id="1" name=""/>
+        <p:cNvGrpSpPr/>
+        <p:nvPr/>
+      </p:nvGrpSpPr>
+      <p:grpSpPr>
+        <a:xfrm>
+          <a:off x="0" y="0"/>
+          <a:ext cx="0" cy="0"/>
+          <a:chOff x="0" y="0"/>
+          <a:chExt cx="0" cy="0"/>
+        </a:xfrm>
+      </p:grpSpPr>
+      <p:grpSp>
+        <p:nvGrpSpPr>
+          <p:cNvPr id="7" name="群組 6">
+            <a:extLst>
+              <a:ext uri="{FF2B5EF4-FFF2-40B4-BE49-F238E27FC236}">
+                <a16:creationId xmlns:a16="http://schemas.microsoft.com/office/drawing/2014/main" id="{4C361A2C-187E-4478-8DC5-A287555AA862}"/>
+              </a:ext>
+            </a:extLst>
+          </p:cNvPr>
+          <p:cNvGrpSpPr/>
+          <p:nvPr/>
+        </p:nvGrpSpPr>
+        <p:grpSpPr>
+          <a:xfrm>
+            <a:off x="1796142" y="-10886"/>
+            <a:ext cx="8599715" cy="6879772"/>
+            <a:chOff x="1796142" y="-10886"/>
+            <a:chExt cx="8599715" cy="6879772"/>
+          </a:xfrm>
+        </p:grpSpPr>
+        <p:sp>
+          <p:nvSpPr>
+            <p:cNvPr id="6" name="矩形 5">
+              <a:extLst>
+                <a:ext uri="{FF2B5EF4-FFF2-40B4-BE49-F238E27FC236}">
+                  <a16:creationId xmlns:a16="http://schemas.microsoft.com/office/drawing/2014/main" id="{CF1617D1-4D31-4F6B-9563-925C9009F395}"/>
+                </a:ext>
+              </a:extLst>
+            </p:cNvPr>
+            <p:cNvSpPr/>
+            <p:nvPr/>
+          </p:nvSpPr>
+          <p:spPr>
+            <a:xfrm>
+              <a:off x="1796142" y="-10886"/>
+              <a:ext cx="8599715" cy="6879772"/>
+            </a:xfrm>
+            <a:prstGeom prst="rect">
+              <a:avLst/>
+            </a:prstGeom>
+            <a:solidFill>
+              <a:srgbClr val="161616"/>
+            </a:solidFill>
+            <a:ln>
+              <a:noFill/>
+            </a:ln>
+          </p:spPr>
+          <p:style>
+            <a:lnRef idx="2">
+              <a:schemeClr val="accent1">
+                <a:shade val="50000"/>
+              </a:schemeClr>
+            </a:lnRef>
+            <a:fillRef idx="1">
+              <a:schemeClr val="accent1"/>
+            </a:fillRef>
+            <a:effectRef idx="0">
+              <a:schemeClr val="accent1"/>
+            </a:effectRef>
+            <a:fontRef idx="minor">
+              <a:schemeClr val="lt1"/>
+            </a:fontRef>
+          </p:style>
+          <p:txBody>
+            <a:bodyPr rtlCol="0" anchor="ctr"/>
+            <a:lstStyle/>
+            <a:p>
+              <a:pPr algn="ctr"/>
+              <a:endParaRPr lang="zh-TW" altLang="en-US" dirty="0"/>
+            </a:p>
+          </p:txBody>
+        </p:sp>
+        <p:pic>
+          <p:nvPicPr>
+            <p:cNvPr id="5" name="圖片 4">
+              <a:extLst>
+                <a:ext uri="{FF2B5EF4-FFF2-40B4-BE49-F238E27FC236}">
+                  <a16:creationId xmlns:a16="http://schemas.microsoft.com/office/drawing/2014/main" id="{9BEE052A-4F3F-412A-9956-4F088354F1C0}"/>
+                </a:ext>
+              </a:extLst>
+            </p:cNvPr>
+            <p:cNvPicPr>
+              <a:picLocks noChangeAspect="1"/>
+            </p:cNvPicPr>
+            <p:nvPr/>
+          </p:nvPicPr>
+          <p:blipFill>
+            <a:blip r:embed="rId2"/>
+            <a:stretch>
+              <a:fillRect/>
+            </a:stretch>
+          </p:blipFill>
+          <p:spPr>
+            <a:xfrm>
+              <a:off x="1802657" y="854664"/>
+              <a:ext cx="8586685" cy="5148673"/>
+            </a:xfrm>
+            <a:prstGeom prst="rect">
+              <a:avLst/>
+            </a:prstGeom>
+          </p:spPr>
+        </p:pic>
+      </p:grpSp>
+    </p:spTree>
+    <p:extLst>
+      <p:ext uri="{BB962C8B-B14F-4D97-AF65-F5344CB8AC3E}">
+        <p14:creationId xmlns:p14="http://schemas.microsoft.com/office/powerpoint/2010/main" val="2031468496"/>
+      </p:ext>
+    </p:extLst>
+  </p:cSld>
+  <p:clrMapOvr>
+    <a:masterClrMapping/>
+  </p:clrMapOvr>
+</p:sld>
+</file>
+
+<file path=ppt/slides/slide4.xml><?xml version="1.0" encoding="utf-8"?>
+<p:sld xmlns:a="http://schemas.openxmlformats.org/drawingml/2006/main" xmlns:r="http://schemas.openxmlformats.org/officeDocument/2006/relationships" xmlns:p="http://schemas.openxmlformats.org/presentationml/2006/main">
+  <p:cSld>
+    <p:spTree>
+      <p:nvGrpSpPr>
+        <p:cNvPr id="1" name=""/>
+        <p:cNvGrpSpPr/>
+        <p:nvPr/>
+      </p:nvGrpSpPr>
+      <p:grpSpPr>
+        <a:xfrm>
+          <a:off x="0" y="0"/>
+          <a:ext cx="0" cy="0"/>
+          <a:chOff x="0" y="0"/>
+          <a:chExt cx="0" cy="0"/>
+        </a:xfrm>
+      </p:grpSpPr>
+      <p:sp>
+        <p:nvSpPr>
+          <p:cNvPr id="6" name="矩形 5">
+            <a:extLst>
+              <a:ext uri="{FF2B5EF4-FFF2-40B4-BE49-F238E27FC236}">
+                <a16:creationId xmlns:a16="http://schemas.microsoft.com/office/drawing/2014/main" id="{CF1617D1-4D31-4F6B-9563-925C9009F395}"/>
+              </a:ext>
+            </a:extLst>
+          </p:cNvPr>
+          <p:cNvSpPr/>
+          <p:nvPr/>
+        </p:nvSpPr>
+        <p:spPr>
+          <a:xfrm>
+            <a:off x="1796142" y="-10886"/>
+            <a:ext cx="8599715" cy="6879772"/>
+          </a:xfrm>
+          <a:prstGeom prst="rect">
+            <a:avLst/>
+          </a:prstGeom>
+          <a:solidFill>
+            <a:schemeClr val="accent2"/>
+          </a:solidFill>
+          <a:ln>
+            <a:noFill/>
+          </a:ln>
+        </p:spPr>
+        <p:style>
+          <a:lnRef idx="2">
+            <a:schemeClr val="accent1">
+              <a:shade val="50000"/>
+            </a:schemeClr>
+          </a:lnRef>
+          <a:fillRef idx="1">
+            <a:schemeClr val="accent1"/>
+          </a:fillRef>
+          <a:effectRef idx="0">
+            <a:schemeClr val="accent1"/>
+          </a:effectRef>
+          <a:fontRef idx="minor">
+            <a:schemeClr val="lt1"/>
+          </a:fontRef>
+        </p:style>
+        <p:txBody>
+          <a:bodyPr rtlCol="0" anchor="ctr"/>
+          <a:lstStyle/>
+          <a:p>
+            <a:pPr algn="ctr"/>
+            <a:endParaRPr lang="zh-TW" altLang="en-US" dirty="0"/>
+          </a:p>
+        </p:txBody>
+      </p:sp>
+    </p:spTree>
+    <p:extLst>
+      <p:ext uri="{BB962C8B-B14F-4D97-AF65-F5344CB8AC3E}">
+        <p14:creationId xmlns:p14="http://schemas.microsoft.com/office/powerpoint/2010/main" val="3971687993"/>
+      </p:ext>
+    </p:extLst>
+  </p:cSld>
+  <p:clrMapOvr>
+    <a:masterClrMapping/>
+  </p:clrMapOvr>
+</p:sld>
+</file>
+
 <file path=ppt/theme/theme1.xml><?xml version="1.0" encoding="utf-8"?>
 <a:theme xmlns:a="http://schemas.openxmlformats.org/drawingml/2006/main" name="Office 佈景主題">
   <a:themeElements>
